--- a/Angular Intro.pptx
+++ b/Angular Intro.pptx
@@ -159,7 +159,7 @@
 <file path=ppt/comments/comment1.xml><?xml version="1.0" encoding="utf-8"?>
 <p:cmLst xmlns:a="http://schemas.openxmlformats.org/drawingml/2006/main" xmlns:r="http://schemas.openxmlformats.org/officeDocument/2006/relationships" xmlns:p="http://schemas.openxmlformats.org/presentationml/2006/main">
   <p:cm authorId="0" dt="2017-07-04T10:22:09.892" idx="2">
-    <p:pos x="332" y="636"/>
+    <p:pos x="336" y="636"/>
     <p:text>Benefits and drawbacks of Server Side vs Client Side</p:text>
   </p:cm>
 </p:cmLst>
@@ -14610,10 +14610,6 @@
               <a:rPr lang="en-GB" altLang="en-US" dirty="0" smtClean="0"/>
               <a:t>Introduction</a:t>
             </a:r>
-            <a:r>
-              <a:rPr lang="en-GB" altLang="en-US" dirty="0" smtClean="0"/>
-              <a:t/>
-            </a:r>
             <a:br>
               <a:rPr lang="en-GB" altLang="en-US" dirty="0" smtClean="0"/>
             </a:br>
@@ -15875,7 +15871,14 @@
                 <a:latin typeface="Segoe UI Light" charset="0"/>
                 <a:cs typeface="Segoe UI" charset="0"/>
               </a:rPr>
-              <a:t>What’s up, what is the problem with </a:t>
+              <a:t>What’s </a:t>
+            </a:r>
+            <a:r>
+              <a:rPr lang="en-GB" sz="2000" b="1" dirty="0" smtClean="0">
+                <a:latin typeface="Segoe UI Light" charset="0"/>
+                <a:cs typeface="Segoe UI" charset="0"/>
+              </a:rPr>
+              <a:t>up?  Isn’t </a:t>
             </a:r>
             <a:r>
               <a:rPr lang="en-GB" sz="2000" b="1" dirty="0" err="1" smtClean="0">
@@ -15889,7 +15892,7 @@
                 <a:latin typeface="Segoe UI Light" charset="0"/>
                 <a:cs typeface="Segoe UI" charset="0"/>
               </a:rPr>
-              <a:t> MVC? </a:t>
+              <a:t> MVC the best? </a:t>
             </a:r>
             <a:endParaRPr lang="en-GB" sz="2000" b="1" dirty="0">
               <a:latin typeface="Segoe UI Light" charset="0"/>
@@ -16213,11 +16216,7 @@
             <a:pPr lvl="2"/>
             <a:r>
               <a:rPr lang="en-US" sz="2400" dirty="0"/>
-              <a:t>ng </a:t>
-            </a:r>
-            <a:r>
-              <a:rPr lang="en-US" sz="2400" dirty="0"/>
-              <a:t>serve</a:t>
+              <a:t>ng serve</a:t>
             </a:r>
           </a:p>
           <a:p>
@@ -16488,14 +16487,6 @@
               </a:rPr>
               <a:t>Hidden] [Disabled]</a:t>
             </a:r>
-            <a:endParaRPr lang="en-GB" sz="2400" b="1" dirty="0">
-              <a:solidFill>
-                <a:schemeClr val="tx2"/>
-              </a:solidFill>
-              <a:latin typeface="Segoe UI Light" charset="0"/>
-              <a:ea typeface="+mj-ea"/>
-              <a:cs typeface="Segoe UI" charset="0"/>
-            </a:endParaRPr>
           </a:p>
         </p:txBody>
       </p:sp>

--- a/Angular Intro.pptx
+++ b/Angular Intro.pptx
@@ -5,10 +5,10 @@
     <p:sldMasterId id="2147483648" r:id="rId1"/>
   </p:sldMasterIdLst>
   <p:notesMasterIdLst>
-    <p:notesMasterId r:id="rId14"/>
+    <p:notesMasterId r:id="rId15"/>
   </p:notesMasterIdLst>
   <p:handoutMasterIdLst>
-    <p:handoutMasterId r:id="rId15"/>
+    <p:handoutMasterId r:id="rId16"/>
   </p:handoutMasterIdLst>
   <p:sldIdLst>
     <p:sldId id="260" r:id="rId2"/>
@@ -22,7 +22,8 @@
     <p:sldId id="285" r:id="rId10"/>
     <p:sldId id="288" r:id="rId11"/>
     <p:sldId id="286" r:id="rId12"/>
-    <p:sldId id="265" r:id="rId13"/>
+    <p:sldId id="289" r:id="rId13"/>
+    <p:sldId id="265" r:id="rId14"/>
   </p:sldIdLst>
   <p:sldSz cx="9144000" cy="6858000" type="screen4x3"/>
   <p:notesSz cx="6858000" cy="9144000"/>
@@ -141,6 +142,7 @@
             <p14:sldId id="285"/>
             <p14:sldId id="288"/>
             <p14:sldId id="286"/>
+            <p14:sldId id="289"/>
             <p14:sldId id="265"/>
           </p14:sldIdLst>
         </p14:section>
@@ -152,7 +154,7 @@
 
 <file path=ppt/commentAuthors.xml><?xml version="1.0" encoding="utf-8"?>
 <p:cmAuthorLst xmlns:a="http://schemas.openxmlformats.org/drawingml/2006/main" xmlns:r="http://schemas.openxmlformats.org/officeDocument/2006/relationships" xmlns:p="http://schemas.openxmlformats.org/presentationml/2006/main">
-  <p:cmAuthor id="0" name="Mihalciuc, Andrei" initials="AM" lastIdx="11" clrIdx="0"/>
+  <p:cmAuthor id="0" name="Mihalciuc, Andrei" initials="AM" lastIdx="12" clrIdx="0"/>
 </p:cmAuthorLst>
 </file>
 
@@ -242,6 +244,16 @@
 show do and map operators
 add in memory-web-api
 change implementation of the service</p:text>
+  </p:cm>
+</p:cmLst>
+</file>
+
+<file path=ppt/comments/comment9.xml><?xml version="1.0" encoding="utf-8"?>
+<p:cmLst xmlns:a="http://schemas.openxmlformats.org/drawingml/2006/main" xmlns:r="http://schemas.openxmlformats.org/officeDocument/2006/relationships" xmlns:p="http://schemas.openxmlformats.org/presentationml/2006/main">
+  <p:cm authorId="0" dt="2017-07-06T12:32:35.221" idx="12">
+    <p:pos x="10" y="10"/>
+    <p:text>npm install karma-firefox-launcher --save-dev
+add tests to Pipe, ViewTodo and TodoService</p:text>
   </p:cm>
 </p:cmLst>
 </file>
@@ -14947,7 +14959,7 @@
       </p:sp>
       <p:pic>
         <p:nvPicPr>
-          <p:cNvPr id="2" name="Picture 1"/>
+          <p:cNvPr id="4" name="Picture 3"/>
           <p:cNvPicPr>
             <a:picLocks noChangeAspect="1"/>
           </p:cNvPicPr>
@@ -14967,8 +14979,8 @@
         </p:blipFill>
         <p:spPr>
           <a:xfrm>
-            <a:off x="1953158" y="919565"/>
-            <a:ext cx="4374490" cy="3307114"/>
+            <a:off x="2434628" y="911352"/>
+            <a:ext cx="3952875" cy="3352800"/>
           </a:xfrm>
           <a:prstGeom prst="rect">
             <a:avLst/>
@@ -15381,6 +15393,336 @@
           <a:chExt cx="0" cy="0"/>
         </a:xfrm>
       </p:grpSpPr>
+      <p:sp>
+        <p:nvSpPr>
+          <p:cNvPr id="5" name="Title 1"/>
+          <p:cNvSpPr>
+            <a:spLocks noGrp="1"/>
+          </p:cNvSpPr>
+          <p:nvPr>
+            <p:ph type="title"/>
+          </p:nvPr>
+        </p:nvSpPr>
+        <p:spPr>
+          <a:xfrm>
+            <a:off x="237744" y="243841"/>
+            <a:ext cx="8662268" cy="487680"/>
+          </a:xfrm>
+        </p:spPr>
+        <p:txBody>
+          <a:bodyPr/>
+          <a:lstStyle/>
+          <a:p>
+            <a:pPr>
+              <a:spcBef>
+                <a:spcPts val="0"/>
+              </a:spcBef>
+              <a:defRPr/>
+            </a:pPr>
+            <a:r>
+              <a:rPr lang="en-GB" sz="2400" b="1" dirty="0" smtClean="0">
+                <a:latin typeface="Segoe UI Light" charset="0"/>
+                <a:cs typeface="Segoe UI" charset="0"/>
+              </a:rPr>
+              <a:t>Testing</a:t>
+            </a:r>
+            <a:r>
+              <a:rPr lang="en-GB" sz="2400" b="1" dirty="0">
+                <a:latin typeface="Segoe UI Light" charset="0"/>
+                <a:cs typeface="Segoe UI" charset="0"/>
+              </a:rPr>
+              <a:t/>
+            </a:r>
+            <a:br>
+              <a:rPr lang="en-GB" sz="2400" b="1" dirty="0">
+                <a:latin typeface="Segoe UI Light" charset="0"/>
+                <a:cs typeface="Segoe UI" charset="0"/>
+              </a:rPr>
+            </a:br>
+            <a:r>
+              <a:rPr lang="en-GB" sz="2400" b="1" dirty="0">
+                <a:latin typeface="Segoe UI Light" charset="0"/>
+                <a:cs typeface="Segoe UI" charset="0"/>
+              </a:rPr>
+              <a:t/>
+            </a:r>
+            <a:br>
+              <a:rPr lang="en-GB" sz="2400" b="1" dirty="0">
+                <a:latin typeface="Segoe UI Light" charset="0"/>
+                <a:cs typeface="Segoe UI" charset="0"/>
+              </a:rPr>
+            </a:br>
+            <a:r>
+              <a:rPr lang="en-GB" sz="2400" b="1" dirty="0">
+                <a:latin typeface="Segoe UI Light" charset="0"/>
+                <a:cs typeface="Segoe UI" charset="0"/>
+              </a:rPr>
+              <a:t/>
+            </a:r>
+            <a:br>
+              <a:rPr lang="en-GB" sz="2400" b="1" dirty="0">
+                <a:latin typeface="Segoe UI Light" charset="0"/>
+                <a:cs typeface="Segoe UI" charset="0"/>
+              </a:rPr>
+            </a:br>
+            <a:r>
+              <a:rPr lang="en-GB" sz="2400" dirty="0">
+                <a:latin typeface="Segoe UI Light" charset="0"/>
+                <a:cs typeface="Segoe UI" charset="0"/>
+              </a:rPr>
+              <a:t/>
+            </a:r>
+            <a:br>
+              <a:rPr lang="en-GB" sz="2400" dirty="0">
+                <a:latin typeface="Segoe UI Light" charset="0"/>
+                <a:cs typeface="Segoe UI" charset="0"/>
+              </a:rPr>
+            </a:br>
+            <a:r>
+              <a:rPr lang="en-US" sz="2400" dirty="0" smtClean="0">
+                <a:latin typeface="Segoe UI Light" charset="0"/>
+                <a:cs typeface="Segoe UI" charset="0"/>
+              </a:rPr>
+              <a:t/>
+            </a:r>
+            <a:br>
+              <a:rPr lang="en-US" sz="2400" dirty="0" smtClean="0">
+                <a:latin typeface="Segoe UI Light" charset="0"/>
+                <a:cs typeface="Segoe UI" charset="0"/>
+              </a:rPr>
+            </a:br>
+            <a:r>
+              <a:rPr lang="en-GB" dirty="0" smtClean="0"/>
+              <a:t/>
+            </a:r>
+            <a:br>
+              <a:rPr lang="en-GB" dirty="0" smtClean="0"/>
+            </a:br>
+            <a:endParaRPr lang="en-GB" dirty="0">
+              <a:latin typeface="Segoe UI Light" charset="0"/>
+              <a:cs typeface="Segoe UI" charset="0"/>
+            </a:endParaRPr>
+          </a:p>
+        </p:txBody>
+      </p:sp>
+      <p:sp>
+        <p:nvSpPr>
+          <p:cNvPr id="3" name="TextBox 2"/>
+          <p:cNvSpPr txBox="1"/>
+          <p:nvPr/>
+        </p:nvSpPr>
+        <p:spPr>
+          <a:xfrm>
+            <a:off x="1236266" y="4251410"/>
+            <a:ext cx="6181345" cy="1745093"/>
+          </a:xfrm>
+          <a:prstGeom prst="rect">
+            <a:avLst/>
+          </a:prstGeom>
+          <a:noFill/>
+        </p:spPr>
+        <p:txBody>
+          <a:bodyPr wrap="square" tIns="91440" bIns="91440" rtlCol="0" anchor="ctr" anchorCtr="1">
+            <a:spAutoFit/>
+          </a:bodyPr>
+          <a:lstStyle/>
+          <a:p>
+            <a:pPr marL="457200" indent="-457200">
+              <a:lnSpc>
+                <a:spcPct val="90000"/>
+              </a:lnSpc>
+              <a:spcBef>
+                <a:spcPts val="600"/>
+              </a:spcBef>
+              <a:buFont typeface="+mj-lt"/>
+              <a:buAutoNum type="arabicPeriod"/>
+            </a:pPr>
+            <a:r>
+              <a:rPr lang="en-GB" sz="2400" b="1" dirty="0" smtClean="0">
+                <a:solidFill>
+                  <a:schemeClr val="tx2"/>
+                </a:solidFill>
+                <a:latin typeface="Segoe UI Light" charset="0"/>
+                <a:ea typeface="+mj-ea"/>
+                <a:cs typeface="Segoe UI" charset="0"/>
+              </a:rPr>
+              <a:t>Maybe we should skip this? </a:t>
+            </a:r>
+            <a:endParaRPr lang="en-GB" sz="2400" b="1" dirty="0" smtClean="0">
+              <a:solidFill>
+                <a:schemeClr val="tx2"/>
+              </a:solidFill>
+              <a:latin typeface="Segoe UI Light" charset="0"/>
+              <a:ea typeface="+mj-ea"/>
+              <a:cs typeface="Segoe UI" charset="0"/>
+            </a:endParaRPr>
+          </a:p>
+          <a:p>
+            <a:pPr marL="457200" indent="-457200">
+              <a:lnSpc>
+                <a:spcPct val="90000"/>
+              </a:lnSpc>
+              <a:spcBef>
+                <a:spcPts val="600"/>
+              </a:spcBef>
+              <a:buFont typeface="+mj-lt"/>
+              <a:buAutoNum type="arabicPeriod"/>
+            </a:pPr>
+            <a:r>
+              <a:rPr lang="en-GB" sz="2400" b="1" dirty="0" smtClean="0">
+                <a:solidFill>
+                  <a:schemeClr val="tx2"/>
+                </a:solidFill>
+                <a:latin typeface="Segoe UI Light" charset="0"/>
+                <a:cs typeface="Segoe UI" charset="0"/>
+              </a:rPr>
+              <a:t>Jasmine</a:t>
+            </a:r>
+            <a:endParaRPr lang="en-GB" sz="2400" b="1" dirty="0">
+              <a:solidFill>
+                <a:schemeClr val="tx2"/>
+              </a:solidFill>
+              <a:latin typeface="Segoe UI Light" charset="0"/>
+              <a:cs typeface="Segoe UI" charset="0"/>
+            </a:endParaRPr>
+          </a:p>
+          <a:p>
+            <a:pPr marL="457200" indent="-457200">
+              <a:lnSpc>
+                <a:spcPct val="90000"/>
+              </a:lnSpc>
+              <a:spcBef>
+                <a:spcPts val="600"/>
+              </a:spcBef>
+              <a:buFont typeface="+mj-lt"/>
+              <a:buAutoNum type="arabicPeriod"/>
+            </a:pPr>
+            <a:r>
+              <a:rPr lang="en-GB" sz="2400" b="1" dirty="0" err="1" smtClean="0">
+                <a:solidFill>
+                  <a:schemeClr val="tx2"/>
+                </a:solidFill>
+                <a:latin typeface="Segoe UI Light" charset="0"/>
+                <a:cs typeface="Segoe UI" charset="0"/>
+              </a:rPr>
+              <a:t>TestBed</a:t>
+            </a:r>
+            <a:r>
+              <a:rPr lang="en-GB" sz="2400" b="1" dirty="0" smtClean="0">
+                <a:solidFill>
+                  <a:schemeClr val="tx2"/>
+                </a:solidFill>
+                <a:latin typeface="Segoe UI Light" charset="0"/>
+                <a:cs typeface="Segoe UI" charset="0"/>
+              </a:rPr>
+              <a:t>, </a:t>
+            </a:r>
+            <a:r>
+              <a:rPr lang="en-GB" sz="2400" b="1" dirty="0" err="1" smtClean="0">
+                <a:solidFill>
+                  <a:schemeClr val="tx2"/>
+                </a:solidFill>
+                <a:latin typeface="Segoe UI Light" charset="0"/>
+                <a:cs typeface="Segoe UI" charset="0"/>
+              </a:rPr>
+              <a:t>DebugElement</a:t>
+            </a:r>
+            <a:endParaRPr lang="en-GB" sz="2400" b="1" dirty="0">
+              <a:solidFill>
+                <a:schemeClr val="tx2"/>
+              </a:solidFill>
+              <a:latin typeface="Segoe UI Light" charset="0"/>
+              <a:cs typeface="Segoe UI" charset="0"/>
+            </a:endParaRPr>
+          </a:p>
+          <a:p>
+            <a:pPr>
+              <a:lnSpc>
+                <a:spcPct val="90000"/>
+              </a:lnSpc>
+              <a:spcBef>
+                <a:spcPts val="600"/>
+              </a:spcBef>
+            </a:pPr>
+            <a:endParaRPr lang="en-GB" sz="2400" b="1" dirty="0">
+              <a:solidFill>
+                <a:schemeClr val="tx2"/>
+              </a:solidFill>
+              <a:latin typeface="Segoe UI Light" charset="0"/>
+              <a:ea typeface="+mj-ea"/>
+              <a:cs typeface="Segoe UI" charset="0"/>
+            </a:endParaRPr>
+          </a:p>
+        </p:txBody>
+      </p:sp>
+      <p:pic>
+        <p:nvPicPr>
+          <p:cNvPr id="2" name="Picture 1"/>
+          <p:cNvPicPr>
+            <a:picLocks noChangeAspect="1"/>
+          </p:cNvPicPr>
+          <p:nvPr/>
+        </p:nvPicPr>
+        <p:blipFill>
+          <a:blip r:embed="rId2">
+            <a:extLst>
+              <a:ext uri="{28A0092B-C50C-407E-A947-70E740481C1C}">
+                <a14:useLocalDpi xmlns:a14="http://schemas.microsoft.com/office/drawing/2010/main" val="0"/>
+              </a:ext>
+            </a:extLst>
+          </a:blip>
+          <a:stretch>
+            <a:fillRect/>
+          </a:stretch>
+        </p:blipFill>
+        <p:spPr>
+          <a:xfrm>
+            <a:off x="2066116" y="757123"/>
+            <a:ext cx="4521644" cy="3119934"/>
+          </a:xfrm>
+          <a:prstGeom prst="rect">
+            <a:avLst/>
+          </a:prstGeom>
+        </p:spPr>
+      </p:pic>
+    </p:spTree>
+    <p:extLst>
+      <p:ext uri="{BB962C8B-B14F-4D97-AF65-F5344CB8AC3E}">
+        <p14:creationId xmlns:p14="http://schemas.microsoft.com/office/powerpoint/2010/main" val="894289175"/>
+      </p:ext>
+    </p:extLst>
+  </p:cSld>
+  <p:clrMapOvr>
+    <a:masterClrMapping/>
+  </p:clrMapOvr>
+  <p:transition spd="slow"/>
+  <p:timing>
+    <p:tnLst>
+      <p:par>
+        <p:cTn id="1" dur="indefinite" restart="never" nodeType="tmRoot"/>
+      </p:par>
+    </p:tnLst>
+  </p:timing>
+</p:sld>
+</file>
+
+<file path=ppt/slides/slide13.xml><?xml version="1.0" encoding="utf-8"?>
+<p:sld xmlns:a="http://schemas.openxmlformats.org/drawingml/2006/main" xmlns:r="http://schemas.openxmlformats.org/officeDocument/2006/relationships" xmlns:p="http://schemas.openxmlformats.org/presentationml/2006/main">
+  <p:cSld>
+    <p:spTree>
+      <p:nvGrpSpPr>
+        <p:cNvPr id="1" name=""/>
+        <p:cNvGrpSpPr/>
+        <p:nvPr/>
+      </p:nvGrpSpPr>
+      <p:grpSpPr>
+        <a:xfrm>
+          <a:off x="0" y="0"/>
+          <a:ext cx="0" cy="0"/>
+          <a:chOff x="0" y="0"/>
+          <a:chExt cx="0" cy="0"/>
+        </a:xfrm>
+      </p:grpSpPr>
       <p:pic>
         <p:nvPicPr>
           <p:cNvPr id="2" name="Picture 1"/>
@@ -15871,14 +16213,7 @@
                 <a:latin typeface="Segoe UI Light" charset="0"/>
                 <a:cs typeface="Segoe UI" charset="0"/>
               </a:rPr>
-              <a:t>What’s </a:t>
-            </a:r>
-            <a:r>
-              <a:rPr lang="en-GB" sz="2000" b="1" dirty="0" smtClean="0">
-                <a:latin typeface="Segoe UI Light" charset="0"/>
-                <a:cs typeface="Segoe UI" charset="0"/>
-              </a:rPr>
-              <a:t>up?  Isn’t </a:t>
+              <a:t>What’s up?  Isn’t </a:t>
             </a:r>
             <a:r>
               <a:rPr lang="en-GB" sz="2000" b="1" dirty="0" err="1" smtClean="0">

--- a/Angular Intro.pptx
+++ b/Angular Intro.pptx
@@ -154,7 +154,7 @@
 
 <file path=ppt/commentAuthors.xml><?xml version="1.0" encoding="utf-8"?>
 <p:cmAuthorLst xmlns:a="http://schemas.openxmlformats.org/drawingml/2006/main" xmlns:r="http://schemas.openxmlformats.org/officeDocument/2006/relationships" xmlns:p="http://schemas.openxmlformats.org/presentationml/2006/main">
-  <p:cmAuthor id="0" name="Mihalciuc, Andrei" initials="AM" lastIdx="12" clrIdx="0"/>
+  <p:cmAuthor id="0" name="Mihalciuc, Andrei" initials="AM" lastIdx="13" clrIdx="0"/>
 </p:cmAuthorLst>
 </file>
 
@@ -167,21 +167,31 @@
 </p:cmLst>
 </file>
 
+<file path=ppt/comments/comment10.xml><?xml version="1.0" encoding="utf-8"?>
+<p:cmLst xmlns:a="http://schemas.openxmlformats.org/drawingml/2006/main" xmlns:r="http://schemas.openxmlformats.org/officeDocument/2006/relationships" xmlns:p="http://schemas.openxmlformats.org/presentationml/2006/main">
+  <p:cm authorId="0" dt="2017-07-06T12:32:35.221" idx="12">
+    <p:pos x="10" y="10"/>
+    <p:text>npm install karma-firefox-launcher --save-dev
+add tests to Pipe, ViewTodo and TodoService</p:text>
+  </p:cm>
+</p:cmLst>
+</file>
+
 <file path=ppt/comments/comment2.xml><?xml version="1.0" encoding="utf-8"?>
 <p:cmLst xmlns:a="http://schemas.openxmlformats.org/drawingml/2006/main" xmlns:r="http://schemas.openxmlformats.org/officeDocument/2006/relationships" xmlns:p="http://schemas.openxmlformats.org/presentationml/2006/main">
-  <p:cm authorId="0" dt="2017-07-04T10:26:01.840" idx="3">
-    <p:pos x="264" y="840"/>
-    <p:text>Create list component.
-Custom done icon.</p:text>
+  <p:cm authorId="0" dt="2017-07-06T14:34:19.082" idx="13">
+    <p:pos x="10" y="10"/>
+    <p:text>npm install --save bootstrap@3
+"../node_modules/bootstrap/dist/css/bootstrap.min.css",</p:text>
   </p:cm>
 </p:cmLst>
 </file>
 
 <file path=ppt/comments/comment3.xml><?xml version="1.0" encoding="utf-8"?>
 <p:cmLst xmlns:a="http://schemas.openxmlformats.org/drawingml/2006/main" xmlns:r="http://schemas.openxmlformats.org/officeDocument/2006/relationships" xmlns:p="http://schemas.openxmlformats.org/presentationml/2006/main">
-  <p:cm authorId="0" dt="2017-07-04T10:26:41.385" idx="4">
-    <p:pos x="10" y="10"/>
-    <p:text>Extract view-todo component.
+  <p:cm authorId="0" dt="2017-07-07T08:50:35.271" idx="3">
+    <p:pos x="57" y="66"/>
+    <p:text>Display todos.
 Add edit &amp; delete buttons;
 Hide edit for done todos</p:text>
   </p:cm>
@@ -190,42 +200,59 @@
 
 <file path=ppt/comments/comment4.xml><?xml version="1.0" encoding="utf-8"?>
 <p:cmLst xmlns:a="http://schemas.openxmlformats.org/drawingml/2006/main" xmlns:r="http://schemas.openxmlformats.org/officeDocument/2006/relationships" xmlns:p="http://schemas.openxmlformats.org/presentationml/2006/main">
-  <p:cm authorId="0" dt="2017-07-04T10:26:12.998" idx="5">
+  <p:cm authorId="0" dt="2017-07-07T08:50:00.492" idx="4">
     <p:pos x="10" y="10"/>
-    <p:text>Add todos service;
-implement delete button.</p:text>
+    <p:text>Extract view-todo component.
+</p:text>
   </p:cm>
 </p:cmLst>
 </file>
 
 <file path=ppt/comments/comment5.xml><?xml version="1.0" encoding="utf-8"?>
 <p:cmLst xmlns:a="http://schemas.openxmlformats.org/drawingml/2006/main" xmlns:r="http://schemas.openxmlformats.org/officeDocument/2006/relationships" xmlns:p="http://schemas.openxmlformats.org/presentationml/2006/main">
-  <p:cm authorId="0" dt="2017-07-04T10:30:18.680" idx="7">
+  <p:cm authorId="0" dt="2017-07-07T08:52:02.159" idx="5">
     <p:pos x="10" y="10"/>
-    <p:text>Add login component.
-Add auth service.
-Login navigate to links
-Add edit ToDo component
-Implement auth guard</p:text>
+    <p:text>Add todos service;
+implement delete button.
+for (let i = 0; i &lt; this.todos.length; i++) {
+      if (this.todos[i].id === todo.id) {
+        this.todos.splice(i, 1);
+        return;
+      }
+    }</p:text>
   </p:cm>
 </p:cmLst>
 </file>
 
 <file path=ppt/comments/comment6.xml><?xml version="1.0" encoding="utf-8"?>
 <p:cmLst xmlns:a="http://schemas.openxmlformats.org/drawingml/2006/main" xmlns:r="http://schemas.openxmlformats.org/officeDocument/2006/relationships" xmlns:p="http://schemas.openxmlformats.org/presentationml/2006/main">
-  <p:cm authorId="0" dt="2017-07-04T14:20:12.615" idx="8">
+  <p:cm authorId="0" dt="2017-07-07T09:11:45.845" idx="7">
+    <p:pos x="10" y="10"/>
+    <p:text>Add login component.
+Add auth service.
+Login navigate to links
+Add edit ToDo component
+Implement auth guard &amp; can deactivate (DO NOT implement)</p:text>
+  </p:cm>
+</p:cmLst>
+</file>
+
+<file path=ppt/comments/comment7.xml><?xml version="1.0" encoding="utf-8"?>
+<p:cmLst xmlns:a="http://schemas.openxmlformats.org/drawingml/2006/main" xmlns:r="http://schemas.openxmlformats.org/officeDocument/2006/relationships" xmlns:p="http://schemas.openxmlformats.org/presentationml/2006/main">
+  <p:cm authorId="0" dt="2017-07-07T09:13:00.368" idx="8">
     <p:pos x="10" y="10"/>
     <p:text>Add template based navigation to login component
 Explain touched, untouched, dirty, valid, invalid, pristine
 Add error messages
 Implement edit/add forms
 Add reactive form validation
-Create custom validator todoExists</p:text>
+Create custom validator todoExists
+Implement canDeactivate</p:text>
   </p:cm>
 </p:cmLst>
 </file>
 
-<file path=ppt/comments/comment7.xml><?xml version="1.0" encoding="utf-8"?>
+<file path=ppt/comments/comment8.xml><?xml version="1.0" encoding="utf-8"?>
 <p:cmLst xmlns:a="http://schemas.openxmlformats.org/drawingml/2006/main" xmlns:r="http://schemas.openxmlformats.org/officeDocument/2006/relationships" xmlns:p="http://schemas.openxmlformats.org/presentationml/2006/main">
   <p:cm authorId="0" dt="2017-07-05T16:51:39.897" idx="11">
     <p:pos x="42" y="498"/>
@@ -236,7 +263,7 @@
 </p:cmLst>
 </file>
 
-<file path=ppt/comments/comment8.xml><?xml version="1.0" encoding="utf-8"?>
+<file path=ppt/comments/comment9.xml><?xml version="1.0" encoding="utf-8"?>
 <p:cmLst xmlns:a="http://schemas.openxmlformats.org/drawingml/2006/main" xmlns:r="http://schemas.openxmlformats.org/officeDocument/2006/relationships" xmlns:p="http://schemas.openxmlformats.org/presentationml/2006/main">
   <p:cm authorId="0" dt="2017-07-05T10:30:08.890" idx="9">
     <p:pos x="10" y="10"/>
@@ -244,16 +271,6 @@
 show do and map operators
 add in memory-web-api
 change implementation of the service</p:text>
-  </p:cm>
-</p:cmLst>
-</file>
-
-<file path=ppt/comments/comment9.xml><?xml version="1.0" encoding="utf-8"?>
-<p:cmLst xmlns:a="http://schemas.openxmlformats.org/drawingml/2006/main" xmlns:r="http://schemas.openxmlformats.org/officeDocument/2006/relationships" xmlns:p="http://schemas.openxmlformats.org/presentationml/2006/main">
-  <p:cm authorId="0" dt="2017-07-06T12:32:35.221" idx="12">
-    <p:pos x="10" y="10"/>
-    <p:text>npm install karma-firefox-launcher --save-dev
-add tests to Pipe, ViewTodo and TodoService</p:text>
   </p:cm>
 </p:cmLst>
 </file>
@@ -14620,7 +14637,11 @@
             </a:br>
             <a:r>
               <a:rPr lang="en-GB" altLang="en-US" dirty="0" smtClean="0"/>
-              <a:t>Introduction</a:t>
+              <a:t>Crash Course</a:t>
+            </a:r>
+            <a:r>
+              <a:rPr lang="en-GB" altLang="en-US" dirty="0" smtClean="0"/>
+              <a:t/>
             </a:r>
             <a:br>
               <a:rPr lang="en-GB" altLang="en-US" dirty="0" smtClean="0"/>
@@ -14680,8 +14701,20 @@
           <a:lstStyle/>
           <a:p>
             <a:r>
+              <a:rPr lang="en-US" dirty="0"/>
+              <a:t>7</a:t>
+            </a:r>
+            <a:r>
               <a:rPr lang="en-US" dirty="0" smtClean="0"/>
-              <a:t>26 July 2016</a:t>
+              <a:t> </a:t>
+            </a:r>
+            <a:r>
+              <a:rPr lang="en-US" dirty="0" smtClean="0"/>
+              <a:t>July </a:t>
+            </a:r>
+            <a:r>
+              <a:rPr lang="en-US" dirty="0" smtClean="0"/>
+              <a:t>2017</a:t>
             </a:r>
             <a:endParaRPr lang="en-US" dirty="0"/>
           </a:p>
@@ -15001,9 +15034,88 @@
   <p:timing>
     <p:tnLst>
       <p:par>
-        <p:cTn id="1" dur="indefinite" restart="never" nodeType="tmRoot"/>
+        <p:cTn id="1" dur="indefinite" restart="never" nodeType="tmRoot">
+          <p:childTnLst>
+            <p:seq concurrent="1" nextAc="seek">
+              <p:cTn id="2" dur="indefinite" nodeType="mainSeq">
+                <p:childTnLst>
+                  <p:par>
+                    <p:cTn id="3" fill="hold">
+                      <p:stCondLst>
+                        <p:cond delay="indefinite"/>
+                      </p:stCondLst>
+                      <p:childTnLst>
+                        <p:par>
+                          <p:cTn id="4" fill="hold">
+                            <p:stCondLst>
+                              <p:cond delay="0"/>
+                            </p:stCondLst>
+                            <p:childTnLst>
+                              <p:par>
+                                <p:cTn id="5" presetID="10" presetClass="entr" presetSubtype="0" fill="hold" grpId="0" nodeType="clickEffect">
+                                  <p:stCondLst>
+                                    <p:cond delay="0"/>
+                                  </p:stCondLst>
+                                  <p:childTnLst>
+                                    <p:set>
+                                      <p:cBhvr>
+                                        <p:cTn id="6" dur="1" fill="hold">
+                                          <p:stCondLst>
+                                            <p:cond delay="0"/>
+                                          </p:stCondLst>
+                                        </p:cTn>
+                                        <p:tgtEl>
+                                          <p:spTgt spid="3"/>
+                                        </p:tgtEl>
+                                        <p:attrNameLst>
+                                          <p:attrName>style.visibility</p:attrName>
+                                        </p:attrNameLst>
+                                      </p:cBhvr>
+                                      <p:to>
+                                        <p:strVal val="visible"/>
+                                      </p:to>
+                                    </p:set>
+                                    <p:animEffect transition="in" filter="fade">
+                                      <p:cBhvr>
+                                        <p:cTn id="7" dur="500"/>
+                                        <p:tgtEl>
+                                          <p:spTgt spid="3"/>
+                                        </p:tgtEl>
+                                      </p:cBhvr>
+                                    </p:animEffect>
+                                  </p:childTnLst>
+                                </p:cTn>
+                              </p:par>
+                            </p:childTnLst>
+                          </p:cTn>
+                        </p:par>
+                      </p:childTnLst>
+                    </p:cTn>
+                  </p:par>
+                </p:childTnLst>
+              </p:cTn>
+              <p:prevCondLst>
+                <p:cond evt="onPrev" delay="0">
+                  <p:tgtEl>
+                    <p:sldTgt/>
+                  </p:tgtEl>
+                </p:cond>
+              </p:prevCondLst>
+              <p:nextCondLst>
+                <p:cond evt="onNext" delay="0">
+                  <p:tgtEl>
+                    <p:sldTgt/>
+                  </p:tgtEl>
+                </p:cond>
+              </p:nextCondLst>
+            </p:seq>
+          </p:childTnLst>
+        </p:cTn>
       </p:par>
     </p:tnLst>
+    <p:bldLst>
+      <p:bldP spid="3" grpId="0"/>
+    </p:bldLst>
   </p:timing>
 </p:sld>
 </file>
@@ -15369,9 +15481,88 @@
   <p:timing>
     <p:tnLst>
       <p:par>
-        <p:cTn id="1" dur="indefinite" restart="never" nodeType="tmRoot"/>
+        <p:cTn id="1" dur="indefinite" restart="never" nodeType="tmRoot">
+          <p:childTnLst>
+            <p:seq concurrent="1" nextAc="seek">
+              <p:cTn id="2" dur="indefinite" nodeType="mainSeq">
+                <p:childTnLst>
+                  <p:par>
+                    <p:cTn id="3" fill="hold">
+                      <p:stCondLst>
+                        <p:cond delay="indefinite"/>
+                      </p:stCondLst>
+                      <p:childTnLst>
+                        <p:par>
+                          <p:cTn id="4" fill="hold">
+                            <p:stCondLst>
+                              <p:cond delay="0"/>
+                            </p:stCondLst>
+                            <p:childTnLst>
+                              <p:par>
+                                <p:cTn id="5" presetID="10" presetClass="entr" presetSubtype="0" fill="hold" grpId="0" nodeType="clickEffect">
+                                  <p:stCondLst>
+                                    <p:cond delay="0"/>
+                                  </p:stCondLst>
+                                  <p:childTnLst>
+                                    <p:set>
+                                      <p:cBhvr>
+                                        <p:cTn id="6" dur="1" fill="hold">
+                                          <p:stCondLst>
+                                            <p:cond delay="0"/>
+                                          </p:stCondLst>
+                                        </p:cTn>
+                                        <p:tgtEl>
+                                          <p:spTgt spid="3"/>
+                                        </p:tgtEl>
+                                        <p:attrNameLst>
+                                          <p:attrName>style.visibility</p:attrName>
+                                        </p:attrNameLst>
+                                      </p:cBhvr>
+                                      <p:to>
+                                        <p:strVal val="visible"/>
+                                      </p:to>
+                                    </p:set>
+                                    <p:animEffect transition="in" filter="fade">
+                                      <p:cBhvr>
+                                        <p:cTn id="7" dur="500"/>
+                                        <p:tgtEl>
+                                          <p:spTgt spid="3"/>
+                                        </p:tgtEl>
+                                      </p:cBhvr>
+                                    </p:animEffect>
+                                  </p:childTnLst>
+                                </p:cTn>
+                              </p:par>
+                            </p:childTnLst>
+                          </p:cTn>
+                        </p:par>
+                      </p:childTnLst>
+                    </p:cTn>
+                  </p:par>
+                </p:childTnLst>
+              </p:cTn>
+              <p:prevCondLst>
+                <p:cond evt="onPrev" delay="0">
+                  <p:tgtEl>
+                    <p:sldTgt/>
+                  </p:tgtEl>
+                </p:cond>
+              </p:prevCondLst>
+              <p:nextCondLst>
+                <p:cond evt="onNext" delay="0">
+                  <p:tgtEl>
+                    <p:sldTgt/>
+                  </p:tgtEl>
+                </p:cond>
+              </p:nextCondLst>
+            </p:seq>
+          </p:childTnLst>
+        </p:cTn>
       </p:par>
     </p:tnLst>
+    <p:bldLst>
+      <p:bldP spid="3" grpId="0"/>
+    </p:bldLst>
   </p:timing>
 </p:sld>
 </file>
@@ -15699,9 +15890,88 @@
   <p:timing>
     <p:tnLst>
       <p:par>
-        <p:cTn id="1" dur="indefinite" restart="never" nodeType="tmRoot"/>
+        <p:cTn id="1" dur="indefinite" restart="never" nodeType="tmRoot">
+          <p:childTnLst>
+            <p:seq concurrent="1" nextAc="seek">
+              <p:cTn id="2" dur="indefinite" nodeType="mainSeq">
+                <p:childTnLst>
+                  <p:par>
+                    <p:cTn id="3" fill="hold">
+                      <p:stCondLst>
+                        <p:cond delay="indefinite"/>
+                      </p:stCondLst>
+                      <p:childTnLst>
+                        <p:par>
+                          <p:cTn id="4" fill="hold">
+                            <p:stCondLst>
+                              <p:cond delay="0"/>
+                            </p:stCondLst>
+                            <p:childTnLst>
+                              <p:par>
+                                <p:cTn id="5" presetID="10" presetClass="entr" presetSubtype="0" fill="hold" grpId="0" nodeType="clickEffect">
+                                  <p:stCondLst>
+                                    <p:cond delay="0"/>
+                                  </p:stCondLst>
+                                  <p:childTnLst>
+                                    <p:set>
+                                      <p:cBhvr>
+                                        <p:cTn id="6" dur="1" fill="hold">
+                                          <p:stCondLst>
+                                            <p:cond delay="0"/>
+                                          </p:stCondLst>
+                                        </p:cTn>
+                                        <p:tgtEl>
+                                          <p:spTgt spid="3"/>
+                                        </p:tgtEl>
+                                        <p:attrNameLst>
+                                          <p:attrName>style.visibility</p:attrName>
+                                        </p:attrNameLst>
+                                      </p:cBhvr>
+                                      <p:to>
+                                        <p:strVal val="visible"/>
+                                      </p:to>
+                                    </p:set>
+                                    <p:animEffect transition="in" filter="fade">
+                                      <p:cBhvr>
+                                        <p:cTn id="7" dur="500"/>
+                                        <p:tgtEl>
+                                          <p:spTgt spid="3"/>
+                                        </p:tgtEl>
+                                      </p:cBhvr>
+                                    </p:animEffect>
+                                  </p:childTnLst>
+                                </p:cTn>
+                              </p:par>
+                            </p:childTnLst>
+                          </p:cTn>
+                        </p:par>
+                      </p:childTnLst>
+                    </p:cTn>
+                  </p:par>
+                </p:childTnLst>
+              </p:cTn>
+              <p:prevCondLst>
+                <p:cond evt="onPrev" delay="0">
+                  <p:tgtEl>
+                    <p:sldTgt/>
+                  </p:tgtEl>
+                </p:cond>
+              </p:prevCondLst>
+              <p:nextCondLst>
+                <p:cond evt="onNext" delay="0">
+                  <p:tgtEl>
+                    <p:sldTgt/>
+                  </p:tgtEl>
+                </p:cond>
+              </p:nextCondLst>
+            </p:seq>
+          </p:childTnLst>
+        </p:cTn>
       </p:par>
     </p:tnLst>
+    <p:bldLst>
+      <p:bldP spid="3" grpId="0"/>
+    </p:bldLst>
   </p:timing>
 </p:sld>
 </file>
@@ -16869,9 +17139,88 @@
   <p:timing>
     <p:tnLst>
       <p:par>
-        <p:cTn id="1" dur="indefinite" restart="never" nodeType="tmRoot"/>
+        <p:cTn id="1" dur="indefinite" restart="never" nodeType="tmRoot">
+          <p:childTnLst>
+            <p:seq concurrent="1" nextAc="seek">
+              <p:cTn id="2" dur="indefinite" nodeType="mainSeq">
+                <p:childTnLst>
+                  <p:par>
+                    <p:cTn id="3" fill="hold">
+                      <p:stCondLst>
+                        <p:cond delay="indefinite"/>
+                      </p:stCondLst>
+                      <p:childTnLst>
+                        <p:par>
+                          <p:cTn id="4" fill="hold">
+                            <p:stCondLst>
+                              <p:cond delay="0"/>
+                            </p:stCondLst>
+                            <p:childTnLst>
+                              <p:par>
+                                <p:cTn id="5" presetID="10" presetClass="entr" presetSubtype="0" fill="hold" grpId="0" nodeType="clickEffect">
+                                  <p:stCondLst>
+                                    <p:cond delay="0"/>
+                                  </p:stCondLst>
+                                  <p:childTnLst>
+                                    <p:set>
+                                      <p:cBhvr>
+                                        <p:cTn id="6" dur="1" fill="hold">
+                                          <p:stCondLst>
+                                            <p:cond delay="0"/>
+                                          </p:stCondLst>
+                                        </p:cTn>
+                                        <p:tgtEl>
+                                          <p:spTgt spid="3"/>
+                                        </p:tgtEl>
+                                        <p:attrNameLst>
+                                          <p:attrName>style.visibility</p:attrName>
+                                        </p:attrNameLst>
+                                      </p:cBhvr>
+                                      <p:to>
+                                        <p:strVal val="visible"/>
+                                      </p:to>
+                                    </p:set>
+                                    <p:animEffect transition="in" filter="fade">
+                                      <p:cBhvr>
+                                        <p:cTn id="7" dur="500"/>
+                                        <p:tgtEl>
+                                          <p:spTgt spid="3"/>
+                                        </p:tgtEl>
+                                      </p:cBhvr>
+                                    </p:animEffect>
+                                  </p:childTnLst>
+                                </p:cTn>
+                              </p:par>
+                            </p:childTnLst>
+                          </p:cTn>
+                        </p:par>
+                      </p:childTnLst>
+                    </p:cTn>
+                  </p:par>
+                </p:childTnLst>
+              </p:cTn>
+              <p:prevCondLst>
+                <p:cond evt="onPrev" delay="0">
+                  <p:tgtEl>
+                    <p:sldTgt/>
+                  </p:tgtEl>
+                </p:cond>
+              </p:prevCondLst>
+              <p:nextCondLst>
+                <p:cond evt="onNext" delay="0">
+                  <p:tgtEl>
+                    <p:sldTgt/>
+                  </p:tgtEl>
+                </p:cond>
+              </p:nextCondLst>
+            </p:seq>
+          </p:childTnLst>
+        </p:cTn>
       </p:par>
     </p:tnLst>
+    <p:bldLst>
+      <p:bldP spid="3" grpId="0"/>
+    </p:bldLst>
   </p:timing>
 </p:sld>
 </file>
@@ -17340,9 +17689,88 @@
   <p:timing>
     <p:tnLst>
       <p:par>
-        <p:cTn id="1" dur="indefinite" restart="never" nodeType="tmRoot"/>
+        <p:cTn id="1" dur="indefinite" restart="never" nodeType="tmRoot">
+          <p:childTnLst>
+            <p:seq concurrent="1" nextAc="seek">
+              <p:cTn id="2" dur="indefinite" nodeType="mainSeq">
+                <p:childTnLst>
+                  <p:par>
+                    <p:cTn id="3" fill="hold">
+                      <p:stCondLst>
+                        <p:cond delay="indefinite"/>
+                      </p:stCondLst>
+                      <p:childTnLst>
+                        <p:par>
+                          <p:cTn id="4" fill="hold">
+                            <p:stCondLst>
+                              <p:cond delay="0"/>
+                            </p:stCondLst>
+                            <p:childTnLst>
+                              <p:par>
+                                <p:cTn id="5" presetID="10" presetClass="entr" presetSubtype="0" fill="hold" grpId="0" nodeType="clickEffect">
+                                  <p:stCondLst>
+                                    <p:cond delay="0"/>
+                                  </p:stCondLst>
+                                  <p:childTnLst>
+                                    <p:set>
+                                      <p:cBhvr>
+                                        <p:cTn id="6" dur="1" fill="hold">
+                                          <p:stCondLst>
+                                            <p:cond delay="0"/>
+                                          </p:stCondLst>
+                                        </p:cTn>
+                                        <p:tgtEl>
+                                          <p:spTgt spid="3"/>
+                                        </p:tgtEl>
+                                        <p:attrNameLst>
+                                          <p:attrName>style.visibility</p:attrName>
+                                        </p:attrNameLst>
+                                      </p:cBhvr>
+                                      <p:to>
+                                        <p:strVal val="visible"/>
+                                      </p:to>
+                                    </p:set>
+                                    <p:animEffect transition="in" filter="fade">
+                                      <p:cBhvr>
+                                        <p:cTn id="7" dur="500"/>
+                                        <p:tgtEl>
+                                          <p:spTgt spid="3"/>
+                                        </p:tgtEl>
+                                      </p:cBhvr>
+                                    </p:animEffect>
+                                  </p:childTnLst>
+                                </p:cTn>
+                              </p:par>
+                            </p:childTnLst>
+                          </p:cTn>
+                        </p:par>
+                      </p:childTnLst>
+                    </p:cTn>
+                  </p:par>
+                </p:childTnLst>
+              </p:cTn>
+              <p:prevCondLst>
+                <p:cond evt="onPrev" delay="0">
+                  <p:tgtEl>
+                    <p:sldTgt/>
+                  </p:tgtEl>
+                </p:cond>
+              </p:prevCondLst>
+              <p:nextCondLst>
+                <p:cond evt="onNext" delay="0">
+                  <p:tgtEl>
+                    <p:sldTgt/>
+                  </p:tgtEl>
+                </p:cond>
+              </p:nextCondLst>
+            </p:seq>
+          </p:childTnLst>
+        </p:cTn>
       </p:par>
     </p:tnLst>
+    <p:bldLst>
+      <p:bldP spid="3" grpId="0"/>
+    </p:bldLst>
   </p:timing>
 </p:sld>
 </file>
@@ -17543,16 +17971,8 @@
                 <a:latin typeface="Segoe UI Light" charset="0"/>
                 <a:cs typeface="Segoe UI" charset="0"/>
               </a:rPr>
-              <a:t>Route guards</a:t>
-            </a:r>
-            <a:endParaRPr lang="en-GB" sz="2400" b="1" dirty="0">
-              <a:solidFill>
-                <a:schemeClr val="tx2"/>
-              </a:solidFill>
-              <a:latin typeface="Segoe UI Light" charset="0"/>
-              <a:ea typeface="+mj-ea"/>
-              <a:cs typeface="Segoe UI" charset="0"/>
-            </a:endParaRPr>
+              <a:t>Navigation from code</a:t>
+            </a:r>
           </a:p>
           <a:p>
             <a:pPr marL="457200" indent="-457200">
@@ -17566,16 +17986,32 @@
               <a:buAutoNum type="arabicPeriod"/>
             </a:pPr>
             <a:r>
+              <a:rPr lang="en-GB" sz="2400" b="1" dirty="0">
+                <a:solidFill>
+                  <a:schemeClr val="tx2"/>
+                </a:solidFill>
+                <a:latin typeface="Segoe UI Light" charset="0"/>
+                <a:cs typeface="Segoe UI" charset="0"/>
+              </a:rPr>
+              <a:t>Get navigation </a:t>
+            </a:r>
+            <a:r>
               <a:rPr lang="en-GB" sz="2400" b="1" dirty="0" smtClean="0">
                 <a:solidFill>
                   <a:schemeClr val="tx2"/>
                 </a:solidFill>
                 <a:latin typeface="Segoe UI Light" charset="0"/>
-                <a:ea typeface="+mj-ea"/>
                 <a:cs typeface="Segoe UI" charset="0"/>
               </a:rPr>
-              <a:t>Navigation from code</a:t>
-            </a:r>
+              <a:t>parameters</a:t>
+            </a:r>
+            <a:endParaRPr lang="en-GB" sz="2400" b="1" dirty="0" smtClean="0">
+              <a:solidFill>
+                <a:schemeClr val="tx2"/>
+              </a:solidFill>
+              <a:latin typeface="Segoe UI Light" charset="0"/>
+              <a:cs typeface="Segoe UI" charset="0"/>
+            </a:endParaRPr>
           </a:p>
           <a:p>
             <a:pPr marL="457200" indent="-457200">
@@ -17594,11 +18030,28 @@
                   <a:schemeClr val="tx2"/>
                 </a:solidFill>
                 <a:latin typeface="Segoe UI Light" charset="0"/>
-                <a:ea typeface="+mj-ea"/>
                 <a:cs typeface="Segoe UI" charset="0"/>
               </a:rPr>
-              <a:t>Get navigation parameters</a:t>
-            </a:r>
+              <a:t>Route </a:t>
+            </a:r>
+            <a:r>
+              <a:rPr lang="en-GB" sz="2400" b="1" dirty="0">
+                <a:solidFill>
+                  <a:schemeClr val="tx2"/>
+                </a:solidFill>
+                <a:latin typeface="Segoe UI Light" charset="0"/>
+                <a:cs typeface="Segoe UI" charset="0"/>
+              </a:rPr>
+              <a:t>guards</a:t>
+            </a:r>
+            <a:endParaRPr lang="en-GB" sz="2400" b="1" dirty="0">
+              <a:solidFill>
+                <a:schemeClr val="tx2"/>
+              </a:solidFill>
+              <a:latin typeface="Segoe UI Light" charset="0"/>
+              <a:ea typeface="+mj-ea"/>
+              <a:cs typeface="Segoe UI" charset="0"/>
+            </a:endParaRPr>
           </a:p>
           <a:p>
             <a:pPr marL="457200" indent="-457200">
@@ -17666,9 +18119,88 @@
   <p:timing>
     <p:tnLst>
       <p:par>
-        <p:cTn id="1" dur="indefinite" restart="never" nodeType="tmRoot"/>
+        <p:cTn id="1" dur="indefinite" restart="never" nodeType="tmRoot">
+          <p:childTnLst>
+            <p:seq concurrent="1" nextAc="seek">
+              <p:cTn id="2" dur="indefinite" nodeType="mainSeq">
+                <p:childTnLst>
+                  <p:par>
+                    <p:cTn id="3" fill="hold">
+                      <p:stCondLst>
+                        <p:cond delay="indefinite"/>
+                      </p:stCondLst>
+                      <p:childTnLst>
+                        <p:par>
+                          <p:cTn id="4" fill="hold">
+                            <p:stCondLst>
+                              <p:cond delay="0"/>
+                            </p:stCondLst>
+                            <p:childTnLst>
+                              <p:par>
+                                <p:cTn id="5" presetID="10" presetClass="entr" presetSubtype="0" fill="hold" grpId="0" nodeType="clickEffect">
+                                  <p:stCondLst>
+                                    <p:cond delay="0"/>
+                                  </p:stCondLst>
+                                  <p:childTnLst>
+                                    <p:set>
+                                      <p:cBhvr>
+                                        <p:cTn id="6" dur="1" fill="hold">
+                                          <p:stCondLst>
+                                            <p:cond delay="0"/>
+                                          </p:stCondLst>
+                                        </p:cTn>
+                                        <p:tgtEl>
+                                          <p:spTgt spid="3"/>
+                                        </p:tgtEl>
+                                        <p:attrNameLst>
+                                          <p:attrName>style.visibility</p:attrName>
+                                        </p:attrNameLst>
+                                      </p:cBhvr>
+                                      <p:to>
+                                        <p:strVal val="visible"/>
+                                      </p:to>
+                                    </p:set>
+                                    <p:animEffect transition="in" filter="fade">
+                                      <p:cBhvr>
+                                        <p:cTn id="7" dur="500"/>
+                                        <p:tgtEl>
+                                          <p:spTgt spid="3"/>
+                                        </p:tgtEl>
+                                      </p:cBhvr>
+                                    </p:animEffect>
+                                  </p:childTnLst>
+                                </p:cTn>
+                              </p:par>
+                            </p:childTnLst>
+                          </p:cTn>
+                        </p:par>
+                      </p:childTnLst>
+                    </p:cTn>
+                  </p:par>
+                </p:childTnLst>
+              </p:cTn>
+              <p:prevCondLst>
+                <p:cond evt="onPrev" delay="0">
+                  <p:tgtEl>
+                    <p:sldTgt/>
+                  </p:tgtEl>
+                </p:cond>
+              </p:prevCondLst>
+              <p:nextCondLst>
+                <p:cond evt="onNext" delay="0">
+                  <p:tgtEl>
+                    <p:sldTgt/>
+                  </p:tgtEl>
+                </p:cond>
+              </p:nextCondLst>
+            </p:seq>
+          </p:childTnLst>
+        </p:cTn>
       </p:par>
     </p:tnLst>
+    <p:bldLst>
+      <p:bldP spid="3" grpId="0"/>
+    </p:bldLst>
   </p:timing>
 </p:sld>
 </file>
@@ -17911,9 +18443,88 @@
   <p:timing>
     <p:tnLst>
       <p:par>
-        <p:cTn id="1" dur="indefinite" restart="never" nodeType="tmRoot"/>
+        <p:cTn id="1" dur="indefinite" restart="never" nodeType="tmRoot">
+          <p:childTnLst>
+            <p:seq concurrent="1" nextAc="seek">
+              <p:cTn id="2" dur="indefinite" nodeType="mainSeq">
+                <p:childTnLst>
+                  <p:par>
+                    <p:cTn id="3" fill="hold">
+                      <p:stCondLst>
+                        <p:cond delay="indefinite"/>
+                      </p:stCondLst>
+                      <p:childTnLst>
+                        <p:par>
+                          <p:cTn id="4" fill="hold">
+                            <p:stCondLst>
+                              <p:cond delay="0"/>
+                            </p:stCondLst>
+                            <p:childTnLst>
+                              <p:par>
+                                <p:cTn id="5" presetID="10" presetClass="entr" presetSubtype="0" fill="hold" grpId="0" nodeType="clickEffect">
+                                  <p:stCondLst>
+                                    <p:cond delay="0"/>
+                                  </p:stCondLst>
+                                  <p:childTnLst>
+                                    <p:set>
+                                      <p:cBhvr>
+                                        <p:cTn id="6" dur="1" fill="hold">
+                                          <p:stCondLst>
+                                            <p:cond delay="0"/>
+                                          </p:stCondLst>
+                                        </p:cTn>
+                                        <p:tgtEl>
+                                          <p:spTgt spid="3"/>
+                                        </p:tgtEl>
+                                        <p:attrNameLst>
+                                          <p:attrName>style.visibility</p:attrName>
+                                        </p:attrNameLst>
+                                      </p:cBhvr>
+                                      <p:to>
+                                        <p:strVal val="visible"/>
+                                      </p:to>
+                                    </p:set>
+                                    <p:animEffect transition="in" filter="fade">
+                                      <p:cBhvr>
+                                        <p:cTn id="7" dur="500"/>
+                                        <p:tgtEl>
+                                          <p:spTgt spid="3"/>
+                                        </p:tgtEl>
+                                      </p:cBhvr>
+                                    </p:animEffect>
+                                  </p:childTnLst>
+                                </p:cTn>
+                              </p:par>
+                            </p:childTnLst>
+                          </p:cTn>
+                        </p:par>
+                      </p:childTnLst>
+                    </p:cTn>
+                  </p:par>
+                </p:childTnLst>
+              </p:cTn>
+              <p:prevCondLst>
+                <p:cond evt="onPrev" delay="0">
+                  <p:tgtEl>
+                    <p:sldTgt/>
+                  </p:tgtEl>
+                </p:cond>
+              </p:prevCondLst>
+              <p:nextCondLst>
+                <p:cond evt="onNext" delay="0">
+                  <p:tgtEl>
+                    <p:sldTgt/>
+                  </p:tgtEl>
+                </p:cond>
+              </p:nextCondLst>
+            </p:seq>
+          </p:childTnLst>
+        </p:cTn>
       </p:par>
     </p:tnLst>
+    <p:bldLst>
+      <p:bldP spid="3" grpId="0"/>
+    </p:bldLst>
   </p:timing>
 </p:sld>
 </file>

--- a/Angular Intro.pptx
+++ b/Angular Intro.pptx
@@ -160,45 +160,18 @@
 
 <file path=ppt/comments/comment1.xml><?xml version="1.0" encoding="utf-8"?>
 <p:cmLst xmlns:a="http://schemas.openxmlformats.org/drawingml/2006/main" xmlns:r="http://schemas.openxmlformats.org/officeDocument/2006/relationships" xmlns:p="http://schemas.openxmlformats.org/presentationml/2006/main">
-  <p:cm authorId="0" dt="2017-07-04T10:22:09.892" idx="2">
-    <p:pos x="336" y="636"/>
-    <p:text>Benefits and drawbacks of Server Side vs Client Side</p:text>
-  </p:cm>
-</p:cmLst>
-</file>
-
-<file path=ppt/comments/comment10.xml><?xml version="1.0" encoding="utf-8"?>
-<p:cmLst xmlns:a="http://schemas.openxmlformats.org/drawingml/2006/main" xmlns:r="http://schemas.openxmlformats.org/officeDocument/2006/relationships" xmlns:p="http://schemas.openxmlformats.org/presentationml/2006/main">
-  <p:cm authorId="0" dt="2017-07-06T12:32:35.221" idx="12">
-    <p:pos x="10" y="10"/>
-    <p:text>npm install karma-firefox-launcher --save-dev
-add tests to Pipe, ViewTodo and TodoService</p:text>
-  </p:cm>
-</p:cmLst>
-</file>
-
-<file path=ppt/comments/comment2.xml><?xml version="1.0" encoding="utf-8"?>
-<p:cmLst xmlns:a="http://schemas.openxmlformats.org/drawingml/2006/main" xmlns:r="http://schemas.openxmlformats.org/officeDocument/2006/relationships" xmlns:p="http://schemas.openxmlformats.org/presentationml/2006/main">
-  <p:cm authorId="0" dt="2017-07-06T14:34:19.082" idx="13">
-    <p:pos x="10" y="10"/>
+  <p:cm authorId="0" dt="2017-07-07T11:20:34.061" idx="3">
+    <p:pos x="57" y="66"/>
     <p:text>npm install --save bootstrap@3
-"../node_modules/bootstrap/dist/css/bootstrap.min.css",</p:text>
-  </p:cm>
-</p:cmLst>
-</file>
-
-<file path=ppt/comments/comment3.xml><?xml version="1.0" encoding="utf-8"?>
-<p:cmLst xmlns:a="http://schemas.openxmlformats.org/drawingml/2006/main" xmlns:r="http://schemas.openxmlformats.org/officeDocument/2006/relationships" xmlns:p="http://schemas.openxmlformats.org/presentationml/2006/main">
-  <p:cm authorId="0" dt="2017-07-07T08:50:35.271" idx="3">
-    <p:pos x="57" y="66"/>
-    <p:text>Display todos.
+"../node_modules/bootstrap/dist/css/bootstrap.min.css",
+Display todos.
 Add edit &amp; delete buttons;
 Hide edit for done todos</p:text>
   </p:cm>
 </p:cmLst>
 </file>
 
-<file path=ppt/comments/comment4.xml><?xml version="1.0" encoding="utf-8"?>
+<file path=ppt/comments/comment2.xml><?xml version="1.0" encoding="utf-8"?>
 <p:cmLst xmlns:a="http://schemas.openxmlformats.org/drawingml/2006/main" xmlns:r="http://schemas.openxmlformats.org/officeDocument/2006/relationships" xmlns:p="http://schemas.openxmlformats.org/presentationml/2006/main">
   <p:cm authorId="0" dt="2017-07-07T08:50:00.492" idx="4">
     <p:pos x="10" y="10"/>
@@ -208,7 +181,7 @@
 </p:cmLst>
 </file>
 
-<file path=ppt/comments/comment5.xml><?xml version="1.0" encoding="utf-8"?>
+<file path=ppt/comments/comment3.xml><?xml version="1.0" encoding="utf-8"?>
 <p:cmLst xmlns:a="http://schemas.openxmlformats.org/drawingml/2006/main" xmlns:r="http://schemas.openxmlformats.org/officeDocument/2006/relationships" xmlns:p="http://schemas.openxmlformats.org/presentationml/2006/main">
   <p:cm authorId="0" dt="2017-07-07T08:52:02.159" idx="5">
     <p:pos x="10" y="10"/>
@@ -224,7 +197,7 @@
 </p:cmLst>
 </file>
 
-<file path=ppt/comments/comment6.xml><?xml version="1.0" encoding="utf-8"?>
+<file path=ppt/comments/comment4.xml><?xml version="1.0" encoding="utf-8"?>
 <p:cmLst xmlns:a="http://schemas.openxmlformats.org/drawingml/2006/main" xmlns:r="http://schemas.openxmlformats.org/officeDocument/2006/relationships" xmlns:p="http://schemas.openxmlformats.org/presentationml/2006/main">
   <p:cm authorId="0" dt="2017-07-07T09:11:45.845" idx="7">
     <p:pos x="10" y="10"/>
@@ -237,7 +210,7 @@
 </p:cmLst>
 </file>
 
-<file path=ppt/comments/comment7.xml><?xml version="1.0" encoding="utf-8"?>
+<file path=ppt/comments/comment5.xml><?xml version="1.0" encoding="utf-8"?>
 <p:cmLst xmlns:a="http://schemas.openxmlformats.org/drawingml/2006/main" xmlns:r="http://schemas.openxmlformats.org/officeDocument/2006/relationships" xmlns:p="http://schemas.openxmlformats.org/presentationml/2006/main">
   <p:cm authorId="0" dt="2017-07-07T09:13:00.368" idx="8">
     <p:pos x="10" y="10"/>
@@ -252,7 +225,7 @@
 </p:cmLst>
 </file>
 
-<file path=ppt/comments/comment8.xml><?xml version="1.0" encoding="utf-8"?>
+<file path=ppt/comments/comment6.xml><?xml version="1.0" encoding="utf-8"?>
 <p:cmLst xmlns:a="http://schemas.openxmlformats.org/drawingml/2006/main" xmlns:r="http://schemas.openxmlformats.org/officeDocument/2006/relationships" xmlns:p="http://schemas.openxmlformats.org/presentationml/2006/main">
   <p:cm authorId="0" dt="2017-07-05T16:51:39.897" idx="11">
     <p:pos x="42" y="498"/>
@@ -263,7 +236,7 @@
 </p:cmLst>
 </file>
 
-<file path=ppt/comments/comment9.xml><?xml version="1.0" encoding="utf-8"?>
+<file path=ppt/comments/comment7.xml><?xml version="1.0" encoding="utf-8"?>
 <p:cmLst xmlns:a="http://schemas.openxmlformats.org/drawingml/2006/main" xmlns:r="http://schemas.openxmlformats.org/officeDocument/2006/relationships" xmlns:p="http://schemas.openxmlformats.org/presentationml/2006/main">
   <p:cm authorId="0" dt="2017-07-05T10:30:08.890" idx="9">
     <p:pos x="10" y="10"/>
@@ -271,6 +244,16 @@
 show do and map operators
 add in memory-web-api
 change implementation of the service</p:text>
+  </p:cm>
+</p:cmLst>
+</file>
+
+<file path=ppt/comments/comment8.xml><?xml version="1.0" encoding="utf-8"?>
+<p:cmLst xmlns:a="http://schemas.openxmlformats.org/drawingml/2006/main" xmlns:r="http://schemas.openxmlformats.org/officeDocument/2006/relationships" xmlns:p="http://schemas.openxmlformats.org/presentationml/2006/main">
+  <p:cm authorId="0" dt="2017-07-06T12:32:35.221" idx="12">
+    <p:pos x="10" y="10"/>
+    <p:text>npm install karma-firefox-launcher --save-dev
+add tests to Pipe, ViewTodo and TodoService</p:text>
   </p:cm>
 </p:cmLst>
 </file>
@@ -1012,56 +995,6 @@
           </a:prstGeom>
         </p:spPr>
       </p:pic>
-      <p:sp>
-        <p:nvSpPr>
-          <p:cNvPr id="20" name="Rectangle 19"/>
-          <p:cNvSpPr>
-            <a:spLocks noChangeArrowheads="1"/>
-          </p:cNvSpPr>
-          <p:nvPr userDrawn="1"/>
-        </p:nvSpPr>
-        <p:spPr bwMode="gray">
-          <a:xfrm>
-            <a:off x="312788" y="6400803"/>
-            <a:ext cx="974626" cy="107722"/>
-          </a:xfrm>
-          <a:prstGeom prst="rect">
-            <a:avLst/>
-          </a:prstGeom>
-          <a:noFill/>
-          <a:ln w="12700">
-            <a:noFill/>
-            <a:miter lim="800000"/>
-            <a:headEnd/>
-            <a:tailEnd/>
-          </a:ln>
-          <a:effectLst/>
-        </p:spPr>
-        <p:txBody>
-          <a:bodyPr wrap="none" lIns="0" tIns="0" rIns="0" bIns="0">
-            <a:spAutoFit/>
-          </a:bodyPr>
-          <a:lstStyle/>
-          <a:p>
-            <a:pPr algn="ctr" eaLnBrk="1" hangingPunct="1"/>
-            <a:r>
-              <a:rPr lang="en-US" sz="700" dirty="0" smtClean="0">
-                <a:solidFill>
-                  <a:schemeClr val="bg2"/>
-                </a:solidFill>
-                <a:latin typeface="+mn-lt"/>
-              </a:rPr>
-              <a:t>Visa Europe Confidential</a:t>
-            </a:r>
-            <a:endParaRPr lang="en-US" sz="700" dirty="0">
-              <a:solidFill>
-                <a:schemeClr val="bg2"/>
-              </a:solidFill>
-              <a:latin typeface="+mn-lt"/>
-            </a:endParaRPr>
-          </a:p>
-        </p:txBody>
-      </p:sp>
       <p:pic>
         <p:nvPicPr>
           <p:cNvPr id="35" name="Picture 34"/>
@@ -15250,7 +15183,7 @@
         </p:nvSpPr>
         <p:spPr>
           <a:xfrm>
-            <a:off x="1236266" y="4085211"/>
+            <a:off x="1236265" y="4085211"/>
             <a:ext cx="6181345" cy="2077492"/>
           </a:xfrm>
           <a:prstGeom prst="rect">
@@ -15890,88 +15823,9 @@
   <p:timing>
     <p:tnLst>
       <p:par>
-        <p:cTn id="1" dur="indefinite" restart="never" nodeType="tmRoot">
-          <p:childTnLst>
-            <p:seq concurrent="1" nextAc="seek">
-              <p:cTn id="2" dur="indefinite" nodeType="mainSeq">
-                <p:childTnLst>
-                  <p:par>
-                    <p:cTn id="3" fill="hold">
-                      <p:stCondLst>
-                        <p:cond delay="indefinite"/>
-                      </p:stCondLst>
-                      <p:childTnLst>
-                        <p:par>
-                          <p:cTn id="4" fill="hold">
-                            <p:stCondLst>
-                              <p:cond delay="0"/>
-                            </p:stCondLst>
-                            <p:childTnLst>
-                              <p:par>
-                                <p:cTn id="5" presetID="10" presetClass="entr" presetSubtype="0" fill="hold" grpId="0" nodeType="clickEffect">
-                                  <p:stCondLst>
-                                    <p:cond delay="0"/>
-                                  </p:stCondLst>
-                                  <p:childTnLst>
-                                    <p:set>
-                                      <p:cBhvr>
-                                        <p:cTn id="6" dur="1" fill="hold">
-                                          <p:stCondLst>
-                                            <p:cond delay="0"/>
-                                          </p:stCondLst>
-                                        </p:cTn>
-                                        <p:tgtEl>
-                                          <p:spTgt spid="3"/>
-                                        </p:tgtEl>
-                                        <p:attrNameLst>
-                                          <p:attrName>style.visibility</p:attrName>
-                                        </p:attrNameLst>
-                                      </p:cBhvr>
-                                      <p:to>
-                                        <p:strVal val="visible"/>
-                                      </p:to>
-                                    </p:set>
-                                    <p:animEffect transition="in" filter="fade">
-                                      <p:cBhvr>
-                                        <p:cTn id="7" dur="500"/>
-                                        <p:tgtEl>
-                                          <p:spTgt spid="3"/>
-                                        </p:tgtEl>
-                                      </p:cBhvr>
-                                    </p:animEffect>
-                                  </p:childTnLst>
-                                </p:cTn>
-                              </p:par>
-                            </p:childTnLst>
-                          </p:cTn>
-                        </p:par>
-                      </p:childTnLst>
-                    </p:cTn>
-                  </p:par>
-                </p:childTnLst>
-              </p:cTn>
-              <p:prevCondLst>
-                <p:cond evt="onPrev" delay="0">
-                  <p:tgtEl>
-                    <p:sldTgt/>
-                  </p:tgtEl>
-                </p:cond>
-              </p:prevCondLst>
-              <p:nextCondLst>
-                <p:cond evt="onNext" delay="0">
-                  <p:tgtEl>
-                    <p:sldTgt/>
-                  </p:tgtEl>
-                </p:cond>
-              </p:nextCondLst>
-            </p:seq>
-          </p:childTnLst>
-        </p:cTn>
+        <p:cTn id="1" dur="indefinite" restart="never" nodeType="tmRoot"/>
       </p:par>
     </p:tnLst>
-    <p:bldLst>
-      <p:bldP spid="3" grpId="0"/>
-    </p:bldLst>
   </p:timing>
 </p:sld>
 </file>
@@ -17457,9 +17311,88 @@
   <p:timing>
     <p:tnLst>
       <p:par>
-        <p:cTn id="1" dur="indefinite" restart="never" nodeType="tmRoot"/>
+        <p:cTn id="1" dur="indefinite" restart="never" nodeType="tmRoot">
+          <p:childTnLst>
+            <p:seq concurrent="1" nextAc="seek">
+              <p:cTn id="2" dur="indefinite" nodeType="mainSeq">
+                <p:childTnLst>
+                  <p:par>
+                    <p:cTn id="3" fill="hold">
+                      <p:stCondLst>
+                        <p:cond delay="indefinite"/>
+                      </p:stCondLst>
+                      <p:childTnLst>
+                        <p:par>
+                          <p:cTn id="4" fill="hold">
+                            <p:stCondLst>
+                              <p:cond delay="0"/>
+                            </p:stCondLst>
+                            <p:childTnLst>
+                              <p:par>
+                                <p:cTn id="5" presetID="10" presetClass="entr" presetSubtype="0" fill="hold" grpId="0" nodeType="clickEffect">
+                                  <p:stCondLst>
+                                    <p:cond delay="0"/>
+                                  </p:stCondLst>
+                                  <p:childTnLst>
+                                    <p:set>
+                                      <p:cBhvr>
+                                        <p:cTn id="6" dur="1" fill="hold">
+                                          <p:stCondLst>
+                                            <p:cond delay="0"/>
+                                          </p:stCondLst>
+                                        </p:cTn>
+                                        <p:tgtEl>
+                                          <p:spTgt spid="3"/>
+                                        </p:tgtEl>
+                                        <p:attrNameLst>
+                                          <p:attrName>style.visibility</p:attrName>
+                                        </p:attrNameLst>
+                                      </p:cBhvr>
+                                      <p:to>
+                                        <p:strVal val="visible"/>
+                                      </p:to>
+                                    </p:set>
+                                    <p:animEffect transition="in" filter="fade">
+                                      <p:cBhvr>
+                                        <p:cTn id="7" dur="500"/>
+                                        <p:tgtEl>
+                                          <p:spTgt spid="3"/>
+                                        </p:tgtEl>
+                                      </p:cBhvr>
+                                    </p:animEffect>
+                                  </p:childTnLst>
+                                </p:cTn>
+                              </p:par>
+                            </p:childTnLst>
+                          </p:cTn>
+                        </p:par>
+                      </p:childTnLst>
+                    </p:cTn>
+                  </p:par>
+                </p:childTnLst>
+              </p:cTn>
+              <p:prevCondLst>
+                <p:cond evt="onPrev" delay="0">
+                  <p:tgtEl>
+                    <p:sldTgt/>
+                  </p:tgtEl>
+                </p:cond>
+              </p:prevCondLst>
+              <p:nextCondLst>
+                <p:cond evt="onNext" delay="0">
+                  <p:tgtEl>
+                    <p:sldTgt/>
+                  </p:tgtEl>
+                </p:cond>
+              </p:nextCondLst>
+            </p:seq>
+          </p:childTnLst>
+        </p:cTn>
       </p:par>
     </p:tnLst>
+    <p:bldLst>
+      <p:bldP spid="3" grpId="0"/>
+    </p:bldLst>
   </p:timing>
 </p:sld>
 </file>
